--- a/target/ppt/input/input home line.pptx
+++ b/target/ppt/input/input home line.pptx
@@ -282,7 +282,7 @@
           <a:p>
             <a:fld id="{3A1A0583-4DD2-4447-BB98-703DF4A55311}" type="datetimeFigureOut">
               <a:rPr lang="en-US" smtClean="0"/>
-              <a:t>12-Dec-18</a:t>
+              <a:t>13-Dec-18</a:t>
             </a:fld>
             <a:endParaRPr lang="en-US"/>
           </a:p>
@@ -452,7 +452,7 @@
           <a:p>
             <a:fld id="{3A1A0583-4DD2-4447-BB98-703DF4A55311}" type="datetimeFigureOut">
               <a:rPr lang="en-US" smtClean="0"/>
-              <a:t>12-Dec-18</a:t>
+              <a:t>13-Dec-18</a:t>
             </a:fld>
             <a:endParaRPr lang="en-US"/>
           </a:p>
@@ -632,7 +632,7 @@
           <a:p>
             <a:fld id="{3A1A0583-4DD2-4447-BB98-703DF4A55311}" type="datetimeFigureOut">
               <a:rPr lang="en-US" smtClean="0"/>
-              <a:t>12-Dec-18</a:t>
+              <a:t>13-Dec-18</a:t>
             </a:fld>
             <a:endParaRPr lang="en-US"/>
           </a:p>
@@ -802,7 +802,7 @@
           <a:p>
             <a:fld id="{3A1A0583-4DD2-4447-BB98-703DF4A55311}" type="datetimeFigureOut">
               <a:rPr lang="en-US" smtClean="0"/>
-              <a:t>12-Dec-18</a:t>
+              <a:t>13-Dec-18</a:t>
             </a:fld>
             <a:endParaRPr lang="en-US"/>
           </a:p>
@@ -1046,7 +1046,7 @@
           <a:p>
             <a:fld id="{3A1A0583-4DD2-4447-BB98-703DF4A55311}" type="datetimeFigureOut">
               <a:rPr lang="en-US" smtClean="0"/>
-              <a:t>12-Dec-18</a:t>
+              <a:t>13-Dec-18</a:t>
             </a:fld>
             <a:endParaRPr lang="en-US"/>
           </a:p>
@@ -1278,7 +1278,7 @@
           <a:p>
             <a:fld id="{3A1A0583-4DD2-4447-BB98-703DF4A55311}" type="datetimeFigureOut">
               <a:rPr lang="en-US" smtClean="0"/>
-              <a:t>12-Dec-18</a:t>
+              <a:t>13-Dec-18</a:t>
             </a:fld>
             <a:endParaRPr lang="en-US"/>
           </a:p>
@@ -1645,7 +1645,7 @@
           <a:p>
             <a:fld id="{3A1A0583-4DD2-4447-BB98-703DF4A55311}" type="datetimeFigureOut">
               <a:rPr lang="en-US" smtClean="0"/>
-              <a:t>12-Dec-18</a:t>
+              <a:t>13-Dec-18</a:t>
             </a:fld>
             <a:endParaRPr lang="en-US"/>
           </a:p>
@@ -1763,7 +1763,7 @@
           <a:p>
             <a:fld id="{3A1A0583-4DD2-4447-BB98-703DF4A55311}" type="datetimeFigureOut">
               <a:rPr lang="en-US" smtClean="0"/>
-              <a:t>12-Dec-18</a:t>
+              <a:t>13-Dec-18</a:t>
             </a:fld>
             <a:endParaRPr lang="en-US"/>
           </a:p>
@@ -1858,7 +1858,7 @@
           <a:p>
             <a:fld id="{3A1A0583-4DD2-4447-BB98-703DF4A55311}" type="datetimeFigureOut">
               <a:rPr lang="en-US" smtClean="0"/>
-              <a:t>12-Dec-18</a:t>
+              <a:t>13-Dec-18</a:t>
             </a:fld>
             <a:endParaRPr lang="en-US"/>
           </a:p>
@@ -2135,7 +2135,7 @@
           <a:p>
             <a:fld id="{3A1A0583-4DD2-4447-BB98-703DF4A55311}" type="datetimeFigureOut">
               <a:rPr lang="en-US" smtClean="0"/>
-              <a:t>12-Dec-18</a:t>
+              <a:t>13-Dec-18</a:t>
             </a:fld>
             <a:endParaRPr lang="en-US"/>
           </a:p>
@@ -2392,7 +2392,7 @@
           <a:p>
             <a:fld id="{3A1A0583-4DD2-4447-BB98-703DF4A55311}" type="datetimeFigureOut">
               <a:rPr lang="en-US" smtClean="0"/>
-              <a:t>12-Dec-18</a:t>
+              <a:t>13-Dec-18</a:t>
             </a:fld>
             <a:endParaRPr lang="en-US"/>
           </a:p>
@@ -2605,7 +2605,7 @@
           <a:p>
             <a:fld id="{3A1A0583-4DD2-4447-BB98-703DF4A55311}" type="datetimeFigureOut">
               <a:rPr lang="en-US" smtClean="0"/>
-              <a:t>12-Dec-18</a:t>
+              <a:t>13-Dec-18</a:t>
             </a:fld>
             <a:endParaRPr lang="en-US"/>
           </a:p>
@@ -3630,11 +3630,6 @@
               </a:rPr>
               <a:t>: placeholder_company</a:t>
             </a:r>
-            <a:endParaRPr lang="it-IT" sz="1400" b="1" smtClean="0">
-              <a:latin typeface="Open Sans" panose="020B0606030504020204" pitchFamily="34" charset="0"/>
-              <a:ea typeface="Open Sans" panose="020B0606030504020204" pitchFamily="34" charset="0"/>
-              <a:cs typeface="Open Sans" panose="020B0606030504020204" pitchFamily="34" charset="0"/>
-            </a:endParaRPr>
           </a:p>
           <a:p>
             <a:pPr algn="l"/>
@@ -8592,14 +8587,14 @@
             <p:ph idx="1"/>
             <p:extLst>
               <p:ext uri="{D42A27DB-BD31-4B8C-83A1-F6EECF244321}">
-                <p14:modId xmlns:p14="http://schemas.microsoft.com/office/powerpoint/2010/main" val="1965391241"/>
+                <p14:modId xmlns:p14="http://schemas.microsoft.com/office/powerpoint/2010/main" val="2904493801"/>
               </p:ext>
             </p:extLst>
           </p:nvPr>
         </p:nvGraphicFramePr>
         <p:xfrm>
           <a:off x="502681" y="2442106"/>
-          <a:ext cx="6949600" cy="5058099"/>
+          <a:ext cx="6949600" cy="1691229"/>
         </p:xfrm>
         <a:graphic>
           <a:graphicData uri="http://schemas.openxmlformats.org/drawingml/2006/table">
@@ -8945,7 +8940,7 @@
                     <a:p>
                       <a:pPr algn="ctr"/>
                       <a:r>
-                        <a:rPr lang="en-US" sz="1400" b="0" i="0" u="none" strike="noStrike" kern="1200" baseline="0" dirty="0">
+                        <a:rPr lang="en-US" sz="1400" b="0" i="0" u="none" strike="noStrike" kern="1200" baseline="0" smtClean="0">
                           <a:solidFill>
                             <a:schemeClr val="dk1"/>
                           </a:solidFill>
@@ -8953,7 +8948,7 @@
                           <a:ea typeface="Open Sans" panose="020B0606030504020204" pitchFamily="34" charset="0"/>
                           <a:cs typeface="Open Sans" panose="020B0606030504020204" pitchFamily="34" charset="0"/>
                         </a:rPr>
-                        <a:t>H1161 -0020</a:t>
+                        <a:t>placeholder_code</a:t>
                       </a:r>
                       <a:endParaRPr lang="en-US" sz="1400" dirty="0">
                         <a:latin typeface="Open Sans" panose="020B0606030504020204" pitchFamily="34" charset="0"/>
@@ -9000,23 +8995,12 @@
                     <a:p>
                       <a:pPr algn="ctr"/>
                       <a:r>
-                        <a:rPr lang="ro-RO" sz="1400" dirty="0">
+                        <a:rPr lang="en-US" sz="1400" smtClean="0">
                           <a:latin typeface="Open Sans" panose="020B0606030504020204" pitchFamily="34" charset="0"/>
                           <a:ea typeface="Open Sans" panose="020B0606030504020204" pitchFamily="34" charset="0"/>
                           <a:cs typeface="Open Sans" panose="020B0606030504020204" pitchFamily="34" charset="0"/>
                         </a:rPr>
-                        <a:t>Home Line Autostart </a:t>
-                      </a:r>
-                    </a:p>
-                    <a:p>
-                      <a:pPr algn="ctr"/>
-                      <a:r>
-                        <a:rPr lang="ro-RO" sz="1400" dirty="0">
-                          <a:latin typeface="Open Sans" panose="020B0606030504020204" pitchFamily="34" charset="0"/>
-                          <a:ea typeface="Open Sans" panose="020B0606030504020204" pitchFamily="34" charset="0"/>
-                          <a:cs typeface="Open Sans" panose="020B0606030504020204" pitchFamily="34" charset="0"/>
-                        </a:rPr>
-                        <a:t>1 x 3.7 kW</a:t>
+                        <a:t>placeholder_product</a:t>
                       </a:r>
                       <a:endParaRPr lang="en-US" sz="1400" dirty="0">
                         <a:latin typeface="Open Sans" panose="020B0606030504020204" pitchFamily="34" charset="0"/>
@@ -9072,34 +9056,12 @@
                     <a:p>
                       <a:pPr algn="ctr"/>
                       <a:r>
-                        <a:rPr lang="ro-RO" sz="1400" dirty="0">
+                        <a:rPr lang="en-US" sz="1400" smtClean="0">
                           <a:latin typeface="Open Sans" panose="020B0606030504020204" pitchFamily="34" charset="0"/>
                           <a:ea typeface="Open Sans" panose="020B0606030504020204" pitchFamily="34" charset="0"/>
                           <a:cs typeface="Open Sans" panose="020B0606030504020204" pitchFamily="34" charset="0"/>
                         </a:rPr>
-                        <a:t>1 cablu </a:t>
-                      </a:r>
-                    </a:p>
-                    <a:p>
-                      <a:pPr algn="ctr"/>
-                      <a:r>
-                        <a:rPr lang="ro-RO" sz="1400" dirty="0">
-                          <a:latin typeface="Open Sans" panose="020B0606030504020204" pitchFamily="34" charset="0"/>
-                          <a:ea typeface="Open Sans" panose="020B0606030504020204" pitchFamily="34" charset="0"/>
-                          <a:cs typeface="Open Sans" panose="020B0606030504020204" pitchFamily="34" charset="0"/>
-                        </a:rPr>
-                        <a:t>X 3.7kWh</a:t>
-                      </a:r>
-                    </a:p>
-                    <a:p>
-                      <a:pPr algn="ctr"/>
-                      <a:r>
-                        <a:rPr lang="ro-RO" sz="1400" dirty="0">
-                          <a:latin typeface="Open Sans" panose="020B0606030504020204" pitchFamily="34" charset="0"/>
-                          <a:ea typeface="Open Sans" panose="020B0606030504020204" pitchFamily="34" charset="0"/>
-                          <a:cs typeface="Open Sans" panose="020B0606030504020204" pitchFamily="34" charset="0"/>
-                        </a:rPr>
-                        <a:t>(230 V x 16 A)</a:t>
+                        <a:t>placeholder_input</a:t>
                       </a:r>
                       <a:endParaRPr lang="en-US" sz="1400" dirty="0">
                         <a:latin typeface="Open Sans" panose="020B0606030504020204" pitchFamily="34" charset="0"/>
@@ -9155,34 +9117,12 @@
                     <a:p>
                       <a:pPr algn="ctr"/>
                       <a:r>
-                        <a:rPr lang="ro-RO" sz="1400" dirty="0">
+                        <a:rPr lang="en-US" sz="1400" smtClean="0">
                           <a:latin typeface="Open Sans" panose="020B0606030504020204" pitchFamily="34" charset="0"/>
                           <a:ea typeface="Open Sans" panose="020B0606030504020204" pitchFamily="34" charset="0"/>
                           <a:cs typeface="Open Sans" panose="020B0606030504020204" pitchFamily="34" charset="0"/>
                         </a:rPr>
-                        <a:t>1 priză Type 2 </a:t>
-                      </a:r>
-                    </a:p>
-                    <a:p>
-                      <a:pPr algn="ctr"/>
-                      <a:r>
-                        <a:rPr lang="ro-RO" sz="1400" dirty="0">
-                          <a:latin typeface="Open Sans" panose="020B0606030504020204" pitchFamily="34" charset="0"/>
-                          <a:ea typeface="Open Sans" panose="020B0606030504020204" pitchFamily="34" charset="0"/>
-                          <a:cs typeface="Open Sans" panose="020B0606030504020204" pitchFamily="34" charset="0"/>
-                        </a:rPr>
-                        <a:t>X 3,7kWh</a:t>
-                      </a:r>
-                    </a:p>
-                    <a:p>
-                      <a:pPr algn="ctr"/>
-                      <a:r>
-                        <a:rPr lang="ro-RO" sz="1400" dirty="0">
-                          <a:latin typeface="Open Sans" panose="020B0606030504020204" pitchFamily="34" charset="0"/>
-                          <a:ea typeface="Open Sans" panose="020B0606030504020204" pitchFamily="34" charset="0"/>
-                          <a:cs typeface="Open Sans" panose="020B0606030504020204" pitchFamily="34" charset="0"/>
-                        </a:rPr>
-                        <a:t>(230 V x 16 A)</a:t>
+                        <a:t>placeholder_output</a:t>
                       </a:r>
                       <a:endParaRPr lang="en-US" sz="1400" dirty="0">
                         <a:latin typeface="Open Sans" panose="020B0606030504020204" pitchFamily="34" charset="0"/>
@@ -9242,12 +9182,12 @@
                         </a:lnSpc>
                       </a:pPr>
                       <a:r>
-                        <a:rPr lang="ro-RO" sz="1400" dirty="0">
+                        <a:rPr lang="en-US" sz="1400" smtClean="0">
                           <a:latin typeface="Open Sans" panose="020B0606030504020204" pitchFamily="34" charset="0"/>
                           <a:ea typeface="Open Sans" panose="020B0606030504020204" pitchFamily="34" charset="0"/>
                           <a:cs typeface="Open Sans" panose="020B0606030504020204" pitchFamily="34" charset="0"/>
                         </a:rPr>
-                        <a:t>683 €</a:t>
+                        <a:t>placeholder_price</a:t>
                       </a:r>
                       <a:endParaRPr lang="en-US" sz="1400" dirty="0">
                         <a:latin typeface="Open Sans" panose="020B0606030504020204" pitchFamily="34" charset="0"/>
@@ -9290,1167 +9230,6 @@
                 <a:extLst>
                   <a:ext uri="{0D108BD9-81ED-4DB2-BD59-A6C34878D82A}">
                     <a16:rowId xmlns="" xmlns:a16="http://schemas.microsoft.com/office/drawing/2014/main" val="1717171452"/>
-                  </a:ext>
-                </a:extLst>
-              </a:tr>
-              <a:tr h="1122290">
-                <a:tc>
-                  <a:txBody>
-                    <a:bodyPr/>
-                    <a:lstStyle/>
-                    <a:p>
-                      <a:pPr algn="ctr"/>
-                      <a:r>
-                        <a:rPr lang="en-US" sz="1400" b="0" i="0" u="none" strike="noStrike" kern="1200" baseline="0" dirty="0">
-                          <a:solidFill>
-                            <a:schemeClr val="dk1"/>
-                          </a:solidFill>
-                          <a:latin typeface="Open Sans" panose="020B0606030504020204" pitchFamily="34" charset="0"/>
-                          <a:ea typeface="Open Sans" panose="020B0606030504020204" pitchFamily="34" charset="0"/>
-                          <a:cs typeface="Open Sans" panose="020B0606030504020204" pitchFamily="34" charset="0"/>
-                        </a:rPr>
-                        <a:t>H1321-0020</a:t>
-                      </a:r>
-                      <a:endParaRPr lang="en-US" sz="1400" dirty="0">
-                        <a:latin typeface="Open Sans" panose="020B0606030504020204" pitchFamily="34" charset="0"/>
-                        <a:ea typeface="Open Sans" panose="020B0606030504020204" pitchFamily="34" charset="0"/>
-                        <a:cs typeface="Open Sans" panose="020B0606030504020204" pitchFamily="34" charset="0"/>
-                      </a:endParaRPr>
-                    </a:p>
-                  </a:txBody>
-                  <a:tcPr anchor="ctr">
-                    <a:lnR w="3175" cap="flat" cmpd="sng" algn="ctr">
-                      <a:solidFill>
-                        <a:schemeClr val="tx1"/>
-                      </a:solidFill>
-                      <a:prstDash val="sysDot"/>
-                      <a:round/>
-                      <a:headEnd type="none" w="med" len="med"/>
-                      <a:tailEnd type="none" w="med" len="med"/>
-                    </a:lnR>
-                    <a:lnT w="3175" cap="flat" cmpd="sng" algn="ctr">
-                      <a:solidFill>
-                        <a:schemeClr val="tx1"/>
-                      </a:solidFill>
-                      <a:prstDash val="sysDot"/>
-                      <a:round/>
-                      <a:headEnd type="none" w="med" len="med"/>
-                      <a:tailEnd type="none" w="med" len="med"/>
-                    </a:lnT>
-                    <a:lnB w="3175" cap="flat" cmpd="sng" algn="ctr">
-                      <a:solidFill>
-                        <a:schemeClr val="tx1"/>
-                      </a:solidFill>
-                      <a:prstDash val="sysDot"/>
-                      <a:round/>
-                      <a:headEnd type="none" w="med" len="med"/>
-                      <a:tailEnd type="none" w="med" len="med"/>
-                    </a:lnB>
-                    <a:noFill/>
-                  </a:tcPr>
-                </a:tc>
-                <a:tc>
-                  <a:txBody>
-                    <a:bodyPr/>
-                    <a:lstStyle/>
-                    <a:p>
-                      <a:pPr algn="ctr"/>
-                      <a:r>
-                        <a:rPr lang="ro-RO" sz="1400" dirty="0">
-                          <a:latin typeface="Open Sans" panose="020B0606030504020204" pitchFamily="34" charset="0"/>
-                          <a:ea typeface="Open Sans" panose="020B0606030504020204" pitchFamily="34" charset="0"/>
-                          <a:cs typeface="Open Sans" panose="020B0606030504020204" pitchFamily="34" charset="0"/>
-                        </a:rPr>
-                        <a:t>Home Line Autostart </a:t>
-                      </a:r>
-                    </a:p>
-                    <a:p>
-                      <a:pPr algn="ctr"/>
-                      <a:r>
-                        <a:rPr lang="ro-RO" sz="1400" dirty="0">
-                          <a:latin typeface="Open Sans" panose="020B0606030504020204" pitchFamily="34" charset="0"/>
-                          <a:ea typeface="Open Sans" panose="020B0606030504020204" pitchFamily="34" charset="0"/>
-                          <a:cs typeface="Open Sans" panose="020B0606030504020204" pitchFamily="34" charset="0"/>
-                        </a:rPr>
-                        <a:t>1 x 7,4 kW</a:t>
-                      </a:r>
-                      <a:endParaRPr lang="en-US" sz="1400" dirty="0">
-                        <a:latin typeface="Open Sans" panose="020B0606030504020204" pitchFamily="34" charset="0"/>
-                        <a:ea typeface="Open Sans" panose="020B0606030504020204" pitchFamily="34" charset="0"/>
-                        <a:cs typeface="Open Sans" panose="020B0606030504020204" pitchFamily="34" charset="0"/>
-                      </a:endParaRPr>
-                    </a:p>
-                  </a:txBody>
-                  <a:tcPr anchor="ctr">
-                    <a:lnL w="3175" cap="flat" cmpd="sng" algn="ctr">
-                      <a:solidFill>
-                        <a:schemeClr val="tx1"/>
-                      </a:solidFill>
-                      <a:prstDash val="sysDot"/>
-                      <a:round/>
-                      <a:headEnd type="none" w="med" len="med"/>
-                      <a:tailEnd type="none" w="med" len="med"/>
-                    </a:lnL>
-                    <a:lnR w="3175" cap="flat" cmpd="sng" algn="ctr">
-                      <a:solidFill>
-                        <a:schemeClr val="tx1"/>
-                      </a:solidFill>
-                      <a:prstDash val="sysDot"/>
-                      <a:round/>
-                      <a:headEnd type="none" w="med" len="med"/>
-                      <a:tailEnd type="none" w="med" len="med"/>
-                    </a:lnR>
-                    <a:lnT w="3175" cap="flat" cmpd="sng" algn="ctr">
-                      <a:solidFill>
-                        <a:schemeClr val="tx1"/>
-                      </a:solidFill>
-                      <a:prstDash val="sysDot"/>
-                      <a:round/>
-                      <a:headEnd type="none" w="med" len="med"/>
-                      <a:tailEnd type="none" w="med" len="med"/>
-                    </a:lnT>
-                    <a:lnB w="3175" cap="flat" cmpd="sng" algn="ctr">
-                      <a:solidFill>
-                        <a:schemeClr val="tx1"/>
-                      </a:solidFill>
-                      <a:prstDash val="sysDot"/>
-                      <a:round/>
-                      <a:headEnd type="none" w="med" len="med"/>
-                      <a:tailEnd type="none" w="med" len="med"/>
-                    </a:lnB>
-                    <a:noFill/>
-                  </a:tcPr>
-                </a:tc>
-                <a:tc>
-                  <a:txBody>
-                    <a:bodyPr/>
-                    <a:lstStyle/>
-                    <a:p>
-                      <a:pPr algn="ctr"/>
-                      <a:r>
-                        <a:rPr lang="ro-RO" sz="1400" dirty="0">
-                          <a:latin typeface="Open Sans" panose="020B0606030504020204" pitchFamily="34" charset="0"/>
-                          <a:ea typeface="Open Sans" panose="020B0606030504020204" pitchFamily="34" charset="0"/>
-                          <a:cs typeface="Open Sans" panose="020B0606030504020204" pitchFamily="34" charset="0"/>
-                        </a:rPr>
-                        <a:t>1 cablu </a:t>
-                      </a:r>
-                    </a:p>
-                    <a:p>
-                      <a:pPr algn="ctr"/>
-                      <a:r>
-                        <a:rPr lang="ro-RO" sz="1400" dirty="0">
-                          <a:latin typeface="Open Sans" panose="020B0606030504020204" pitchFamily="34" charset="0"/>
-                          <a:ea typeface="Open Sans" panose="020B0606030504020204" pitchFamily="34" charset="0"/>
-                          <a:cs typeface="Open Sans" panose="020B0606030504020204" pitchFamily="34" charset="0"/>
-                        </a:rPr>
-                        <a:t>X 7</a:t>
-                      </a:r>
-                      <a:r>
-                        <a:rPr lang="en-US" sz="1400" dirty="0">
-                          <a:latin typeface="Open Sans" panose="020B0606030504020204" pitchFamily="34" charset="0"/>
-                          <a:ea typeface="Open Sans" panose="020B0606030504020204" pitchFamily="34" charset="0"/>
-                          <a:cs typeface="Open Sans" panose="020B0606030504020204" pitchFamily="34" charset="0"/>
-                        </a:rPr>
-                        <a:t>.</a:t>
-                      </a:r>
-                      <a:r>
-                        <a:rPr lang="ro-RO" sz="1400" dirty="0">
-                          <a:latin typeface="Open Sans" panose="020B0606030504020204" pitchFamily="34" charset="0"/>
-                          <a:ea typeface="Open Sans" panose="020B0606030504020204" pitchFamily="34" charset="0"/>
-                          <a:cs typeface="Open Sans" panose="020B0606030504020204" pitchFamily="34" charset="0"/>
-                        </a:rPr>
-                        <a:t>4kWh</a:t>
-                      </a:r>
-                    </a:p>
-                    <a:p>
-                      <a:pPr algn="ctr"/>
-                      <a:r>
-                        <a:rPr lang="ro-RO" sz="1400" dirty="0">
-                          <a:latin typeface="Open Sans" panose="020B0606030504020204" pitchFamily="34" charset="0"/>
-                          <a:ea typeface="Open Sans" panose="020B0606030504020204" pitchFamily="34" charset="0"/>
-                          <a:cs typeface="Open Sans" panose="020B0606030504020204" pitchFamily="34" charset="0"/>
-                        </a:rPr>
-                        <a:t>(230 V x 16 A)</a:t>
-                      </a:r>
-                      <a:endParaRPr lang="en-US" sz="1400" dirty="0">
-                        <a:latin typeface="Open Sans" panose="020B0606030504020204" pitchFamily="34" charset="0"/>
-                        <a:ea typeface="Open Sans" panose="020B0606030504020204" pitchFamily="34" charset="0"/>
-                        <a:cs typeface="Open Sans" panose="020B0606030504020204" pitchFamily="34" charset="0"/>
-                      </a:endParaRPr>
-                    </a:p>
-                    <a:p>
-                      <a:pPr algn="ctr"/>
-                      <a:endParaRPr lang="en-US" sz="1400" dirty="0">
-                        <a:latin typeface="Open Sans" panose="020B0606030504020204" pitchFamily="34" charset="0"/>
-                        <a:ea typeface="Open Sans" panose="020B0606030504020204" pitchFamily="34" charset="0"/>
-                        <a:cs typeface="Open Sans" panose="020B0606030504020204" pitchFamily="34" charset="0"/>
-                      </a:endParaRPr>
-                    </a:p>
-                  </a:txBody>
-                  <a:tcPr anchor="ctr">
-                    <a:lnL w="3175" cap="flat" cmpd="sng" algn="ctr">
-                      <a:solidFill>
-                        <a:schemeClr val="tx1"/>
-                      </a:solidFill>
-                      <a:prstDash val="sysDot"/>
-                      <a:round/>
-                      <a:headEnd type="none" w="med" len="med"/>
-                      <a:tailEnd type="none" w="med" len="med"/>
-                    </a:lnL>
-                    <a:lnR w="3175" cap="flat" cmpd="sng" algn="ctr">
-                      <a:solidFill>
-                        <a:schemeClr val="tx1"/>
-                      </a:solidFill>
-                      <a:prstDash val="sysDot"/>
-                      <a:round/>
-                      <a:headEnd type="none" w="med" len="med"/>
-                      <a:tailEnd type="none" w="med" len="med"/>
-                    </a:lnR>
-                    <a:lnT w="3175" cap="flat" cmpd="sng" algn="ctr">
-                      <a:solidFill>
-                        <a:schemeClr val="tx1"/>
-                      </a:solidFill>
-                      <a:prstDash val="sysDot"/>
-                      <a:round/>
-                      <a:headEnd type="none" w="med" len="med"/>
-                      <a:tailEnd type="none" w="med" len="med"/>
-                    </a:lnT>
-                    <a:lnB w="3175" cap="flat" cmpd="sng" algn="ctr">
-                      <a:solidFill>
-                        <a:schemeClr val="tx1"/>
-                      </a:solidFill>
-                      <a:prstDash val="sysDot"/>
-                      <a:round/>
-                      <a:headEnd type="none" w="med" len="med"/>
-                      <a:tailEnd type="none" w="med" len="med"/>
-                    </a:lnB>
-                    <a:noFill/>
-                  </a:tcPr>
-                </a:tc>
-                <a:tc>
-                  <a:txBody>
-                    <a:bodyPr/>
-                    <a:lstStyle/>
-                    <a:p>
-                      <a:pPr algn="ctr"/>
-                      <a:r>
-                        <a:rPr lang="ro-RO" sz="1400" dirty="0">
-                          <a:latin typeface="Open Sans" panose="020B0606030504020204" pitchFamily="34" charset="0"/>
-                          <a:ea typeface="Open Sans" panose="020B0606030504020204" pitchFamily="34" charset="0"/>
-                          <a:cs typeface="Open Sans" panose="020B0606030504020204" pitchFamily="34" charset="0"/>
-                        </a:rPr>
-                        <a:t>1 priză Type 2 </a:t>
-                      </a:r>
-                    </a:p>
-                    <a:p>
-                      <a:pPr algn="ctr"/>
-                      <a:r>
-                        <a:rPr lang="ro-RO" sz="1400" dirty="0">
-                          <a:latin typeface="Open Sans" panose="020B0606030504020204" pitchFamily="34" charset="0"/>
-                          <a:ea typeface="Open Sans" panose="020B0606030504020204" pitchFamily="34" charset="0"/>
-                          <a:cs typeface="Open Sans" panose="020B0606030504020204" pitchFamily="34" charset="0"/>
-                        </a:rPr>
-                        <a:t>X 7</a:t>
-                      </a:r>
-                      <a:r>
-                        <a:rPr lang="en-US" sz="1400" dirty="0">
-                          <a:latin typeface="Open Sans" panose="020B0606030504020204" pitchFamily="34" charset="0"/>
-                          <a:ea typeface="Open Sans" panose="020B0606030504020204" pitchFamily="34" charset="0"/>
-                          <a:cs typeface="Open Sans" panose="020B0606030504020204" pitchFamily="34" charset="0"/>
-                        </a:rPr>
-                        <a:t>.</a:t>
-                      </a:r>
-                      <a:r>
-                        <a:rPr lang="ro-RO" sz="1400" dirty="0">
-                          <a:latin typeface="Open Sans" panose="020B0606030504020204" pitchFamily="34" charset="0"/>
-                          <a:ea typeface="Open Sans" panose="020B0606030504020204" pitchFamily="34" charset="0"/>
-                          <a:cs typeface="Open Sans" panose="020B0606030504020204" pitchFamily="34" charset="0"/>
-                        </a:rPr>
-                        <a:t>4 kWh</a:t>
-                      </a:r>
-                    </a:p>
-                    <a:p>
-                      <a:pPr algn="ctr"/>
-                      <a:r>
-                        <a:rPr lang="ro-RO" sz="1400" dirty="0">
-                          <a:latin typeface="Open Sans" panose="020B0606030504020204" pitchFamily="34" charset="0"/>
-                          <a:ea typeface="Open Sans" panose="020B0606030504020204" pitchFamily="34" charset="0"/>
-                          <a:cs typeface="Open Sans" panose="020B0606030504020204" pitchFamily="34" charset="0"/>
-                        </a:rPr>
-                        <a:t>(380 V x 16 A)</a:t>
-                      </a:r>
-                      <a:endParaRPr lang="en-US" sz="1400" dirty="0">
-                        <a:latin typeface="Open Sans" panose="020B0606030504020204" pitchFamily="34" charset="0"/>
-                        <a:ea typeface="Open Sans" panose="020B0606030504020204" pitchFamily="34" charset="0"/>
-                        <a:cs typeface="Open Sans" panose="020B0606030504020204" pitchFamily="34" charset="0"/>
-                      </a:endParaRPr>
-                    </a:p>
-                    <a:p>
-                      <a:pPr algn="ctr"/>
-                      <a:endParaRPr lang="en-US" sz="1400" dirty="0">
-                        <a:latin typeface="Open Sans" panose="020B0606030504020204" pitchFamily="34" charset="0"/>
-                        <a:ea typeface="Open Sans" panose="020B0606030504020204" pitchFamily="34" charset="0"/>
-                        <a:cs typeface="Open Sans" panose="020B0606030504020204" pitchFamily="34" charset="0"/>
-                      </a:endParaRPr>
-                    </a:p>
-                  </a:txBody>
-                  <a:tcPr anchor="ctr">
-                    <a:lnL w="3175" cap="flat" cmpd="sng" algn="ctr">
-                      <a:solidFill>
-                        <a:schemeClr val="tx1"/>
-                      </a:solidFill>
-                      <a:prstDash val="sysDot"/>
-                      <a:round/>
-                      <a:headEnd type="none" w="med" len="med"/>
-                      <a:tailEnd type="none" w="med" len="med"/>
-                    </a:lnL>
-                    <a:lnR w="3175" cap="flat" cmpd="sng" algn="ctr">
-                      <a:solidFill>
-                        <a:schemeClr val="tx1"/>
-                      </a:solidFill>
-                      <a:prstDash val="sysDot"/>
-                      <a:round/>
-                      <a:headEnd type="none" w="med" len="med"/>
-                      <a:tailEnd type="none" w="med" len="med"/>
-                    </a:lnR>
-                    <a:lnT w="3175" cap="flat" cmpd="sng" algn="ctr">
-                      <a:solidFill>
-                        <a:schemeClr val="tx1"/>
-                      </a:solidFill>
-                      <a:prstDash val="sysDot"/>
-                      <a:round/>
-                      <a:headEnd type="none" w="med" len="med"/>
-                      <a:tailEnd type="none" w="med" len="med"/>
-                    </a:lnT>
-                    <a:lnB w="3175" cap="flat" cmpd="sng" algn="ctr">
-                      <a:solidFill>
-                        <a:schemeClr val="tx1"/>
-                      </a:solidFill>
-                      <a:prstDash val="sysDot"/>
-                      <a:round/>
-                      <a:headEnd type="none" w="med" len="med"/>
-                      <a:tailEnd type="none" w="med" len="med"/>
-                    </a:lnB>
-                    <a:noFill/>
-                  </a:tcPr>
-                </a:tc>
-                <a:tc>
-                  <a:txBody>
-                    <a:bodyPr/>
-                    <a:lstStyle/>
-                    <a:p>
-                      <a:pPr algn="ctr"/>
-                      <a:r>
-                        <a:rPr lang="ro-RO" sz="1400" dirty="0">
-                          <a:latin typeface="Open Sans" panose="020B0606030504020204" pitchFamily="34" charset="0"/>
-                          <a:ea typeface="Open Sans" panose="020B0606030504020204" pitchFamily="34" charset="0"/>
-                          <a:cs typeface="Open Sans" panose="020B0606030504020204" pitchFamily="34" charset="0"/>
-                        </a:rPr>
-                        <a:t>798 €</a:t>
-                      </a:r>
-                      <a:endParaRPr lang="en-US" sz="1400" dirty="0">
-                        <a:latin typeface="Open Sans" panose="020B0606030504020204" pitchFamily="34" charset="0"/>
-                        <a:ea typeface="Open Sans" panose="020B0606030504020204" pitchFamily="34" charset="0"/>
-                        <a:cs typeface="Open Sans" panose="020B0606030504020204" pitchFamily="34" charset="0"/>
-                      </a:endParaRPr>
-                    </a:p>
-                  </a:txBody>
-                  <a:tcPr anchor="ctr">
-                    <a:lnL w="3175" cap="flat" cmpd="sng" algn="ctr">
-                      <a:solidFill>
-                        <a:schemeClr val="tx1"/>
-                      </a:solidFill>
-                      <a:prstDash val="sysDot"/>
-                      <a:round/>
-                      <a:headEnd type="none" w="med" len="med"/>
-                      <a:tailEnd type="none" w="med" len="med"/>
-                    </a:lnL>
-                    <a:lnT w="3175" cap="flat" cmpd="sng" algn="ctr">
-                      <a:solidFill>
-                        <a:schemeClr val="tx1"/>
-                      </a:solidFill>
-                      <a:prstDash val="sysDot"/>
-                      <a:round/>
-                      <a:headEnd type="none" w="med" len="med"/>
-                      <a:tailEnd type="none" w="med" len="med"/>
-                    </a:lnT>
-                    <a:lnB w="3175" cap="flat" cmpd="sng" algn="ctr">
-                      <a:solidFill>
-                        <a:schemeClr val="tx1"/>
-                      </a:solidFill>
-                      <a:prstDash val="sysDot"/>
-                      <a:round/>
-                      <a:headEnd type="none" w="med" len="med"/>
-                      <a:tailEnd type="none" w="med" len="med"/>
-                    </a:lnB>
-                    <a:noFill/>
-                  </a:tcPr>
-                </a:tc>
-                <a:extLst>
-                  <a:ext uri="{0D108BD9-81ED-4DB2-BD59-A6C34878D82A}">
-                    <a16:rowId xmlns="" xmlns:a16="http://schemas.microsoft.com/office/drawing/2014/main" val="4092409273"/>
-                  </a:ext>
-                </a:extLst>
-              </a:tr>
-              <a:tr h="1122290">
-                <a:tc>
-                  <a:txBody>
-                    <a:bodyPr/>
-                    <a:lstStyle/>
-                    <a:p>
-                      <a:pPr algn="ctr"/>
-                      <a:r>
-                        <a:rPr lang="en-US" sz="1400" b="0" i="0" u="none" strike="noStrike" kern="1200" baseline="0" dirty="0">
-                          <a:solidFill>
-                            <a:schemeClr val="dk1"/>
-                          </a:solidFill>
-                          <a:latin typeface="Open Sans" panose="020B0606030504020204" pitchFamily="34" charset="0"/>
-                          <a:ea typeface="Open Sans" panose="020B0606030504020204" pitchFamily="34" charset="0"/>
-                          <a:cs typeface="Open Sans" panose="020B0606030504020204" pitchFamily="34" charset="0"/>
-                        </a:rPr>
-                        <a:t>H3161-0020</a:t>
-                      </a:r>
-                      <a:endParaRPr lang="en-US" sz="1400" dirty="0">
-                        <a:latin typeface="Open Sans" panose="020B0606030504020204" pitchFamily="34" charset="0"/>
-                        <a:ea typeface="Open Sans" panose="020B0606030504020204" pitchFamily="34" charset="0"/>
-                        <a:cs typeface="Open Sans" panose="020B0606030504020204" pitchFamily="34" charset="0"/>
-                      </a:endParaRPr>
-                    </a:p>
-                  </a:txBody>
-                  <a:tcPr anchor="ctr">
-                    <a:lnR w="3175" cap="flat" cmpd="sng" algn="ctr">
-                      <a:solidFill>
-                        <a:schemeClr val="tx1"/>
-                      </a:solidFill>
-                      <a:prstDash val="sysDot"/>
-                      <a:round/>
-                      <a:headEnd type="none" w="med" len="med"/>
-                      <a:tailEnd type="none" w="med" len="med"/>
-                    </a:lnR>
-                    <a:lnT w="3175" cap="flat" cmpd="sng" algn="ctr">
-                      <a:solidFill>
-                        <a:schemeClr val="tx1"/>
-                      </a:solidFill>
-                      <a:prstDash val="sysDot"/>
-                      <a:round/>
-                      <a:headEnd type="none" w="med" len="med"/>
-                      <a:tailEnd type="none" w="med" len="med"/>
-                    </a:lnT>
-                    <a:lnB w="3175" cap="flat" cmpd="sng" algn="ctr">
-                      <a:solidFill>
-                        <a:schemeClr val="tx1"/>
-                      </a:solidFill>
-                      <a:prstDash val="sysDot"/>
-                      <a:round/>
-                      <a:headEnd type="none" w="med" len="med"/>
-                      <a:tailEnd type="none" w="med" len="med"/>
-                    </a:lnB>
-                    <a:noFill/>
-                  </a:tcPr>
-                </a:tc>
-                <a:tc>
-                  <a:txBody>
-                    <a:bodyPr/>
-                    <a:lstStyle/>
-                    <a:p>
-                      <a:pPr algn="ctr"/>
-                      <a:r>
-                        <a:rPr lang="ro-RO" sz="1400" dirty="0">
-                          <a:latin typeface="Open Sans" panose="020B0606030504020204" pitchFamily="34" charset="0"/>
-                          <a:ea typeface="Open Sans" panose="020B0606030504020204" pitchFamily="34" charset="0"/>
-                          <a:cs typeface="Open Sans" panose="020B0606030504020204" pitchFamily="34" charset="0"/>
-                        </a:rPr>
-                        <a:t>Home Line</a:t>
-                      </a:r>
-                    </a:p>
-                    <a:p>
-                      <a:pPr algn="ctr"/>
-                      <a:r>
-                        <a:rPr lang="ro-RO" sz="1400" dirty="0">
-                          <a:latin typeface="Open Sans" panose="020B0606030504020204" pitchFamily="34" charset="0"/>
-                          <a:ea typeface="Open Sans" panose="020B0606030504020204" pitchFamily="34" charset="0"/>
-                          <a:cs typeface="Open Sans" panose="020B0606030504020204" pitchFamily="34" charset="0"/>
-                        </a:rPr>
-                        <a:t>Autostart</a:t>
-                      </a:r>
-                    </a:p>
-                    <a:p>
-                      <a:pPr algn="ctr"/>
-                      <a:r>
-                        <a:rPr lang="ro-RO" sz="1400" dirty="0">
-                          <a:latin typeface="Open Sans" panose="020B0606030504020204" pitchFamily="34" charset="0"/>
-                          <a:ea typeface="Open Sans" panose="020B0606030504020204" pitchFamily="34" charset="0"/>
-                          <a:cs typeface="Open Sans" panose="020B0606030504020204" pitchFamily="34" charset="0"/>
-                        </a:rPr>
-                        <a:t>1 x 11 kW</a:t>
-                      </a:r>
-                      <a:endParaRPr lang="en-US" sz="1400" dirty="0">
-                        <a:latin typeface="Open Sans" panose="020B0606030504020204" pitchFamily="34" charset="0"/>
-                        <a:ea typeface="Open Sans" panose="020B0606030504020204" pitchFamily="34" charset="0"/>
-                        <a:cs typeface="Open Sans" panose="020B0606030504020204" pitchFamily="34" charset="0"/>
-                      </a:endParaRPr>
-                    </a:p>
-                  </a:txBody>
-                  <a:tcPr anchor="ctr">
-                    <a:lnL w="3175" cap="flat" cmpd="sng" algn="ctr">
-                      <a:solidFill>
-                        <a:schemeClr val="tx1"/>
-                      </a:solidFill>
-                      <a:prstDash val="sysDot"/>
-                      <a:round/>
-                      <a:headEnd type="none" w="med" len="med"/>
-                      <a:tailEnd type="none" w="med" len="med"/>
-                    </a:lnL>
-                    <a:lnR w="3175" cap="flat" cmpd="sng" algn="ctr">
-                      <a:solidFill>
-                        <a:schemeClr val="tx1"/>
-                      </a:solidFill>
-                      <a:prstDash val="sysDot"/>
-                      <a:round/>
-                      <a:headEnd type="none" w="med" len="med"/>
-                      <a:tailEnd type="none" w="med" len="med"/>
-                    </a:lnR>
-                    <a:lnT w="3175" cap="flat" cmpd="sng" algn="ctr">
-                      <a:solidFill>
-                        <a:schemeClr val="tx1"/>
-                      </a:solidFill>
-                      <a:prstDash val="sysDot"/>
-                      <a:round/>
-                      <a:headEnd type="none" w="med" len="med"/>
-                      <a:tailEnd type="none" w="med" len="med"/>
-                    </a:lnT>
-                    <a:lnB w="3175" cap="flat" cmpd="sng" algn="ctr">
-                      <a:solidFill>
-                        <a:schemeClr val="tx1"/>
-                      </a:solidFill>
-                      <a:prstDash val="sysDot"/>
-                      <a:round/>
-                      <a:headEnd type="none" w="med" len="med"/>
-                      <a:tailEnd type="none" w="med" len="med"/>
-                    </a:lnB>
-                    <a:noFill/>
-                  </a:tcPr>
-                </a:tc>
-                <a:tc>
-                  <a:txBody>
-                    <a:bodyPr/>
-                    <a:lstStyle/>
-                    <a:p>
-                      <a:pPr algn="ctr"/>
-                      <a:r>
-                        <a:rPr lang="ro-RO" sz="1400" dirty="0">
-                          <a:latin typeface="Open Sans" panose="020B0606030504020204" pitchFamily="34" charset="0"/>
-                          <a:ea typeface="Open Sans" panose="020B0606030504020204" pitchFamily="34" charset="0"/>
-                          <a:cs typeface="Open Sans" panose="020B0606030504020204" pitchFamily="34" charset="0"/>
-                        </a:rPr>
-                        <a:t>1 cablu </a:t>
-                      </a:r>
-                    </a:p>
-                    <a:p>
-                      <a:pPr algn="ctr"/>
-                      <a:r>
-                        <a:rPr lang="ro-RO" sz="1400" dirty="0">
-                          <a:latin typeface="Open Sans" panose="020B0606030504020204" pitchFamily="34" charset="0"/>
-                          <a:ea typeface="Open Sans" panose="020B0606030504020204" pitchFamily="34" charset="0"/>
-                          <a:cs typeface="Open Sans" panose="020B0606030504020204" pitchFamily="34" charset="0"/>
-                        </a:rPr>
-                        <a:t>X 11 kWh</a:t>
-                      </a:r>
-                    </a:p>
-                    <a:p>
-                      <a:pPr algn="ctr"/>
-                      <a:r>
-                        <a:rPr lang="ro-RO" sz="1400" dirty="0">
-                          <a:latin typeface="Open Sans" panose="020B0606030504020204" pitchFamily="34" charset="0"/>
-                          <a:ea typeface="Open Sans" panose="020B0606030504020204" pitchFamily="34" charset="0"/>
-                          <a:cs typeface="Open Sans" panose="020B0606030504020204" pitchFamily="34" charset="0"/>
-                        </a:rPr>
-                        <a:t>(380 V x 16 A)</a:t>
-                      </a:r>
-                      <a:endParaRPr lang="en-US" sz="1400" dirty="0">
-                        <a:latin typeface="Open Sans" panose="020B0606030504020204" pitchFamily="34" charset="0"/>
-                        <a:ea typeface="Open Sans" panose="020B0606030504020204" pitchFamily="34" charset="0"/>
-                        <a:cs typeface="Open Sans" panose="020B0606030504020204" pitchFamily="34" charset="0"/>
-                      </a:endParaRPr>
-                    </a:p>
-                    <a:p>
-                      <a:pPr algn="ctr"/>
-                      <a:endParaRPr lang="en-US" sz="1400" dirty="0">
-                        <a:latin typeface="Open Sans" panose="020B0606030504020204" pitchFamily="34" charset="0"/>
-                        <a:ea typeface="Open Sans" panose="020B0606030504020204" pitchFamily="34" charset="0"/>
-                        <a:cs typeface="Open Sans" panose="020B0606030504020204" pitchFamily="34" charset="0"/>
-                      </a:endParaRPr>
-                    </a:p>
-                  </a:txBody>
-                  <a:tcPr anchor="ctr">
-                    <a:lnL w="3175" cap="flat" cmpd="sng" algn="ctr">
-                      <a:solidFill>
-                        <a:schemeClr val="tx1"/>
-                      </a:solidFill>
-                      <a:prstDash val="sysDot"/>
-                      <a:round/>
-                      <a:headEnd type="none" w="med" len="med"/>
-                      <a:tailEnd type="none" w="med" len="med"/>
-                    </a:lnL>
-                    <a:lnR w="3175" cap="flat" cmpd="sng" algn="ctr">
-                      <a:solidFill>
-                        <a:schemeClr val="tx1"/>
-                      </a:solidFill>
-                      <a:prstDash val="sysDot"/>
-                      <a:round/>
-                      <a:headEnd type="none" w="med" len="med"/>
-                      <a:tailEnd type="none" w="med" len="med"/>
-                    </a:lnR>
-                    <a:lnT w="3175" cap="flat" cmpd="sng" algn="ctr">
-                      <a:solidFill>
-                        <a:schemeClr val="tx1"/>
-                      </a:solidFill>
-                      <a:prstDash val="sysDot"/>
-                      <a:round/>
-                      <a:headEnd type="none" w="med" len="med"/>
-                      <a:tailEnd type="none" w="med" len="med"/>
-                    </a:lnT>
-                    <a:lnB w="3175" cap="flat" cmpd="sng" algn="ctr">
-                      <a:solidFill>
-                        <a:schemeClr val="tx1"/>
-                      </a:solidFill>
-                      <a:prstDash val="sysDot"/>
-                      <a:round/>
-                      <a:headEnd type="none" w="med" len="med"/>
-                      <a:tailEnd type="none" w="med" len="med"/>
-                    </a:lnB>
-                    <a:noFill/>
-                  </a:tcPr>
-                </a:tc>
-                <a:tc>
-                  <a:txBody>
-                    <a:bodyPr/>
-                    <a:lstStyle/>
-                    <a:p>
-                      <a:pPr algn="ctr"/>
-                      <a:r>
-                        <a:rPr lang="ro-RO" sz="1400" dirty="0">
-                          <a:latin typeface="Open Sans" panose="020B0606030504020204" pitchFamily="34" charset="0"/>
-                          <a:ea typeface="Open Sans" panose="020B0606030504020204" pitchFamily="34" charset="0"/>
-                          <a:cs typeface="Open Sans" panose="020B0606030504020204" pitchFamily="34" charset="0"/>
-                        </a:rPr>
-                        <a:t>1 priză Type 2 </a:t>
-                      </a:r>
-                    </a:p>
-                    <a:p>
-                      <a:pPr algn="ctr"/>
-                      <a:r>
-                        <a:rPr lang="ro-RO" sz="1400" dirty="0">
-                          <a:latin typeface="Open Sans" panose="020B0606030504020204" pitchFamily="34" charset="0"/>
-                          <a:ea typeface="Open Sans" panose="020B0606030504020204" pitchFamily="34" charset="0"/>
-                          <a:cs typeface="Open Sans" panose="020B0606030504020204" pitchFamily="34" charset="0"/>
-                        </a:rPr>
-                        <a:t>X 11 kWh</a:t>
-                      </a:r>
-                    </a:p>
-                    <a:p>
-                      <a:pPr algn="ctr"/>
-                      <a:r>
-                        <a:rPr lang="ro-RO" sz="1400" dirty="0">
-                          <a:latin typeface="Open Sans" panose="020B0606030504020204" pitchFamily="34" charset="0"/>
-                          <a:ea typeface="Open Sans" panose="020B0606030504020204" pitchFamily="34" charset="0"/>
-                          <a:cs typeface="Open Sans" panose="020B0606030504020204" pitchFamily="34" charset="0"/>
-                        </a:rPr>
-                        <a:t>(380 V x 16 A)</a:t>
-                      </a:r>
-                      <a:endParaRPr lang="en-US" sz="1400" dirty="0">
-                        <a:latin typeface="Open Sans" panose="020B0606030504020204" pitchFamily="34" charset="0"/>
-                        <a:ea typeface="Open Sans" panose="020B0606030504020204" pitchFamily="34" charset="0"/>
-                        <a:cs typeface="Open Sans" panose="020B0606030504020204" pitchFamily="34" charset="0"/>
-                      </a:endParaRPr>
-                    </a:p>
-                    <a:p>
-                      <a:pPr algn="ctr"/>
-                      <a:endParaRPr lang="en-US" sz="1400" dirty="0">
-                        <a:latin typeface="Open Sans" panose="020B0606030504020204" pitchFamily="34" charset="0"/>
-                        <a:ea typeface="Open Sans" panose="020B0606030504020204" pitchFamily="34" charset="0"/>
-                        <a:cs typeface="Open Sans" panose="020B0606030504020204" pitchFamily="34" charset="0"/>
-                      </a:endParaRPr>
-                    </a:p>
-                  </a:txBody>
-                  <a:tcPr anchor="ctr">
-                    <a:lnL w="3175" cap="flat" cmpd="sng" algn="ctr">
-                      <a:solidFill>
-                        <a:schemeClr val="tx1"/>
-                      </a:solidFill>
-                      <a:prstDash val="sysDot"/>
-                      <a:round/>
-                      <a:headEnd type="none" w="med" len="med"/>
-                      <a:tailEnd type="none" w="med" len="med"/>
-                    </a:lnL>
-                    <a:lnR w="3175" cap="flat" cmpd="sng" algn="ctr">
-                      <a:solidFill>
-                        <a:schemeClr val="tx1"/>
-                      </a:solidFill>
-                      <a:prstDash val="sysDot"/>
-                      <a:round/>
-                      <a:headEnd type="none" w="med" len="med"/>
-                      <a:tailEnd type="none" w="med" len="med"/>
-                    </a:lnR>
-                    <a:lnT w="3175" cap="flat" cmpd="sng" algn="ctr">
-                      <a:solidFill>
-                        <a:schemeClr val="tx1"/>
-                      </a:solidFill>
-                      <a:prstDash val="sysDot"/>
-                      <a:round/>
-                      <a:headEnd type="none" w="med" len="med"/>
-                      <a:tailEnd type="none" w="med" len="med"/>
-                    </a:lnT>
-                    <a:lnB w="3175" cap="flat" cmpd="sng" algn="ctr">
-                      <a:solidFill>
-                        <a:schemeClr val="tx1"/>
-                      </a:solidFill>
-                      <a:prstDash val="sysDot"/>
-                      <a:round/>
-                      <a:headEnd type="none" w="med" len="med"/>
-                      <a:tailEnd type="none" w="med" len="med"/>
-                    </a:lnB>
-                    <a:noFill/>
-                  </a:tcPr>
-                </a:tc>
-                <a:tc>
-                  <a:txBody>
-                    <a:bodyPr/>
-                    <a:lstStyle/>
-                    <a:p>
-                      <a:pPr marL="0" marR="0" lvl="0" indent="0" algn="ctr" defTabSz="514350" rtl="0" eaLnBrk="1" fontAlgn="auto" latinLnBrk="0" hangingPunct="1">
-                        <a:lnSpc>
-                          <a:spcPct val="100000"/>
-                        </a:lnSpc>
-                        <a:spcBef>
-                          <a:spcPts val="0"/>
-                        </a:spcBef>
-                        <a:spcAft>
-                          <a:spcPts val="0"/>
-                        </a:spcAft>
-                        <a:buClrTx/>
-                        <a:buSzTx/>
-                        <a:buFontTx/>
-                        <a:buNone/>
-                        <a:tabLst/>
-                        <a:defRPr/>
-                      </a:pPr>
-                      <a:r>
-                        <a:rPr lang="ro-RO" sz="1400" dirty="0">
-                          <a:latin typeface="Open Sans" panose="020B0606030504020204" pitchFamily="34" charset="0"/>
-                          <a:ea typeface="Open Sans" panose="020B0606030504020204" pitchFamily="34" charset="0"/>
-                          <a:cs typeface="Open Sans" panose="020B0606030504020204" pitchFamily="34" charset="0"/>
-                        </a:rPr>
-                        <a:t>855 €</a:t>
-                      </a:r>
-                      <a:endParaRPr lang="en-US" sz="1400" dirty="0">
-                        <a:latin typeface="Open Sans" panose="020B0606030504020204" pitchFamily="34" charset="0"/>
-                        <a:ea typeface="Open Sans" panose="020B0606030504020204" pitchFamily="34" charset="0"/>
-                        <a:cs typeface="Open Sans" panose="020B0606030504020204" pitchFamily="34" charset="0"/>
-                      </a:endParaRPr>
-                    </a:p>
-                  </a:txBody>
-                  <a:tcPr anchor="ctr">
-                    <a:lnL w="3175" cap="flat" cmpd="sng" algn="ctr">
-                      <a:solidFill>
-                        <a:schemeClr val="tx1"/>
-                      </a:solidFill>
-                      <a:prstDash val="sysDot"/>
-                      <a:round/>
-                      <a:headEnd type="none" w="med" len="med"/>
-                      <a:tailEnd type="none" w="med" len="med"/>
-                    </a:lnL>
-                    <a:lnT w="3175" cap="flat" cmpd="sng" algn="ctr">
-                      <a:solidFill>
-                        <a:schemeClr val="tx1"/>
-                      </a:solidFill>
-                      <a:prstDash val="sysDot"/>
-                      <a:round/>
-                      <a:headEnd type="none" w="med" len="med"/>
-                      <a:tailEnd type="none" w="med" len="med"/>
-                    </a:lnT>
-                    <a:lnB w="3175" cap="flat" cmpd="sng" algn="ctr">
-                      <a:solidFill>
-                        <a:schemeClr val="tx1"/>
-                      </a:solidFill>
-                      <a:prstDash val="sysDot"/>
-                      <a:round/>
-                      <a:headEnd type="none" w="med" len="med"/>
-                      <a:tailEnd type="none" w="med" len="med"/>
-                    </a:lnB>
-                    <a:noFill/>
-                  </a:tcPr>
-                </a:tc>
-                <a:extLst>
-                  <a:ext uri="{0D108BD9-81ED-4DB2-BD59-A6C34878D82A}">
-                    <a16:rowId xmlns="" xmlns:a16="http://schemas.microsoft.com/office/drawing/2014/main" val="2783044044"/>
-                  </a:ext>
-                </a:extLst>
-              </a:tr>
-              <a:tr h="1122290">
-                <a:tc>
-                  <a:txBody>
-                    <a:bodyPr/>
-                    <a:lstStyle/>
-                    <a:p>
-                      <a:pPr algn="ctr"/>
-                      <a:r>
-                        <a:rPr lang="en-US" sz="1400" b="0" i="0" u="none" strike="noStrike" kern="1200" baseline="0" dirty="0">
-                          <a:solidFill>
-                            <a:schemeClr val="dk1"/>
-                          </a:solidFill>
-                          <a:latin typeface="Open Sans" panose="020B0606030504020204" pitchFamily="34" charset="0"/>
-                          <a:ea typeface="Open Sans" panose="020B0606030504020204" pitchFamily="34" charset="0"/>
-                          <a:cs typeface="Open Sans" panose="020B0606030504020204" pitchFamily="34" charset="0"/>
-                        </a:rPr>
-                        <a:t>H3321-0020</a:t>
-                      </a:r>
-                      <a:endParaRPr lang="en-US" sz="1400" dirty="0">
-                        <a:latin typeface="Open Sans" panose="020B0606030504020204" pitchFamily="34" charset="0"/>
-                        <a:ea typeface="Open Sans" panose="020B0606030504020204" pitchFamily="34" charset="0"/>
-                        <a:cs typeface="Open Sans" panose="020B0606030504020204" pitchFamily="34" charset="0"/>
-                      </a:endParaRPr>
-                    </a:p>
-                  </a:txBody>
-                  <a:tcPr anchor="ctr">
-                    <a:lnR w="3175" cap="flat" cmpd="sng" algn="ctr">
-                      <a:solidFill>
-                        <a:schemeClr val="tx1"/>
-                      </a:solidFill>
-                      <a:prstDash val="sysDot"/>
-                      <a:round/>
-                      <a:headEnd type="none" w="med" len="med"/>
-                      <a:tailEnd type="none" w="med" len="med"/>
-                    </a:lnR>
-                    <a:lnT w="3175" cap="flat" cmpd="sng" algn="ctr">
-                      <a:solidFill>
-                        <a:schemeClr val="tx1"/>
-                      </a:solidFill>
-                      <a:prstDash val="sysDot"/>
-                      <a:round/>
-                      <a:headEnd type="none" w="med" len="med"/>
-                      <a:tailEnd type="none" w="med" len="med"/>
-                    </a:lnT>
-                    <a:noFill/>
-                  </a:tcPr>
-                </a:tc>
-                <a:tc>
-                  <a:txBody>
-                    <a:bodyPr/>
-                    <a:lstStyle/>
-                    <a:p>
-                      <a:pPr algn="ctr"/>
-                      <a:r>
-                        <a:rPr lang="ro-RO" sz="1400" dirty="0">
-                          <a:latin typeface="Open Sans" panose="020B0606030504020204" pitchFamily="34" charset="0"/>
-                          <a:ea typeface="Open Sans" panose="020B0606030504020204" pitchFamily="34" charset="0"/>
-                          <a:cs typeface="Open Sans" panose="020B0606030504020204" pitchFamily="34" charset="0"/>
-                        </a:rPr>
-                        <a:t>Home Line</a:t>
-                      </a:r>
-                    </a:p>
-                    <a:p>
-                      <a:pPr algn="ctr"/>
-                      <a:r>
-                        <a:rPr lang="ro-RO" sz="1400" dirty="0">
-                          <a:latin typeface="Open Sans" panose="020B0606030504020204" pitchFamily="34" charset="0"/>
-                          <a:ea typeface="Open Sans" panose="020B0606030504020204" pitchFamily="34" charset="0"/>
-                          <a:cs typeface="Open Sans" panose="020B0606030504020204" pitchFamily="34" charset="0"/>
-                        </a:rPr>
-                        <a:t>Autostart</a:t>
-                      </a:r>
-                    </a:p>
-                    <a:p>
-                      <a:pPr algn="ctr"/>
-                      <a:r>
-                        <a:rPr lang="ro-RO" sz="1400" dirty="0">
-                          <a:latin typeface="Open Sans" panose="020B0606030504020204" pitchFamily="34" charset="0"/>
-                          <a:ea typeface="Open Sans" panose="020B0606030504020204" pitchFamily="34" charset="0"/>
-                          <a:cs typeface="Open Sans" panose="020B0606030504020204" pitchFamily="34" charset="0"/>
-                        </a:rPr>
-                        <a:t>1 x 22 kW</a:t>
-                      </a:r>
-                      <a:endParaRPr lang="en-US" sz="1400" dirty="0">
-                        <a:latin typeface="Open Sans" panose="020B0606030504020204" pitchFamily="34" charset="0"/>
-                        <a:ea typeface="Open Sans" panose="020B0606030504020204" pitchFamily="34" charset="0"/>
-                        <a:cs typeface="Open Sans" panose="020B0606030504020204" pitchFamily="34" charset="0"/>
-                      </a:endParaRPr>
-                    </a:p>
-                    <a:p>
-                      <a:pPr algn="ctr"/>
-                      <a:endParaRPr lang="en-US" sz="1400" dirty="0">
-                        <a:latin typeface="Open Sans" panose="020B0606030504020204" pitchFamily="34" charset="0"/>
-                        <a:ea typeface="Open Sans" panose="020B0606030504020204" pitchFamily="34" charset="0"/>
-                        <a:cs typeface="Open Sans" panose="020B0606030504020204" pitchFamily="34" charset="0"/>
-                      </a:endParaRPr>
-                    </a:p>
-                  </a:txBody>
-                  <a:tcPr anchor="ctr">
-                    <a:lnL w="3175" cap="flat" cmpd="sng" algn="ctr">
-                      <a:solidFill>
-                        <a:schemeClr val="tx1"/>
-                      </a:solidFill>
-                      <a:prstDash val="sysDot"/>
-                      <a:round/>
-                      <a:headEnd type="none" w="med" len="med"/>
-                      <a:tailEnd type="none" w="med" len="med"/>
-                    </a:lnL>
-                    <a:lnR w="3175" cap="flat" cmpd="sng" algn="ctr">
-                      <a:solidFill>
-                        <a:schemeClr val="tx1"/>
-                      </a:solidFill>
-                      <a:prstDash val="sysDot"/>
-                      <a:round/>
-                      <a:headEnd type="none" w="med" len="med"/>
-                      <a:tailEnd type="none" w="med" len="med"/>
-                    </a:lnR>
-                    <a:lnT w="3175" cap="flat" cmpd="sng" algn="ctr">
-                      <a:solidFill>
-                        <a:schemeClr val="tx1"/>
-                      </a:solidFill>
-                      <a:prstDash val="sysDot"/>
-                      <a:round/>
-                      <a:headEnd type="none" w="med" len="med"/>
-                      <a:tailEnd type="none" w="med" len="med"/>
-                    </a:lnT>
-                    <a:noFill/>
-                  </a:tcPr>
-                </a:tc>
-                <a:tc>
-                  <a:txBody>
-                    <a:bodyPr/>
-                    <a:lstStyle/>
-                    <a:p>
-                      <a:pPr algn="ctr"/>
-                      <a:r>
-                        <a:rPr lang="ro-RO" sz="1400" dirty="0">
-                          <a:latin typeface="Open Sans" panose="020B0606030504020204" pitchFamily="34" charset="0"/>
-                          <a:ea typeface="Open Sans" panose="020B0606030504020204" pitchFamily="34" charset="0"/>
-                          <a:cs typeface="Open Sans" panose="020B0606030504020204" pitchFamily="34" charset="0"/>
-                        </a:rPr>
-                        <a:t>1 cablu </a:t>
-                      </a:r>
-                    </a:p>
-                    <a:p>
-                      <a:pPr algn="ctr"/>
-                      <a:r>
-                        <a:rPr lang="ro-RO" sz="1400" dirty="0">
-                          <a:latin typeface="Open Sans" panose="020B0606030504020204" pitchFamily="34" charset="0"/>
-                          <a:ea typeface="Open Sans" panose="020B0606030504020204" pitchFamily="34" charset="0"/>
-                          <a:cs typeface="Open Sans" panose="020B0606030504020204" pitchFamily="34" charset="0"/>
-                        </a:rPr>
-                        <a:t>X 22 kWh</a:t>
-                      </a:r>
-                    </a:p>
-                    <a:p>
-                      <a:pPr algn="ctr"/>
-                      <a:r>
-                        <a:rPr lang="ro-RO" sz="1400" dirty="0">
-                          <a:latin typeface="Open Sans" panose="020B0606030504020204" pitchFamily="34" charset="0"/>
-                          <a:ea typeface="Open Sans" panose="020B0606030504020204" pitchFamily="34" charset="0"/>
-                          <a:cs typeface="Open Sans" panose="020B0606030504020204" pitchFamily="34" charset="0"/>
-                        </a:rPr>
-                        <a:t>(380 V x 32 A)</a:t>
-                      </a:r>
-                      <a:endParaRPr lang="en-US" sz="1400" dirty="0">
-                        <a:latin typeface="Open Sans" panose="020B0606030504020204" pitchFamily="34" charset="0"/>
-                        <a:ea typeface="Open Sans" panose="020B0606030504020204" pitchFamily="34" charset="0"/>
-                        <a:cs typeface="Open Sans" panose="020B0606030504020204" pitchFamily="34" charset="0"/>
-                      </a:endParaRPr>
-                    </a:p>
-                    <a:p>
-                      <a:pPr algn="ctr"/>
-                      <a:endParaRPr lang="en-US" sz="1400" dirty="0">
-                        <a:latin typeface="Open Sans" panose="020B0606030504020204" pitchFamily="34" charset="0"/>
-                        <a:ea typeface="Open Sans" panose="020B0606030504020204" pitchFamily="34" charset="0"/>
-                        <a:cs typeface="Open Sans" panose="020B0606030504020204" pitchFamily="34" charset="0"/>
-                      </a:endParaRPr>
-                    </a:p>
-                  </a:txBody>
-                  <a:tcPr anchor="ctr">
-                    <a:lnL w="3175" cap="flat" cmpd="sng" algn="ctr">
-                      <a:solidFill>
-                        <a:schemeClr val="tx1"/>
-                      </a:solidFill>
-                      <a:prstDash val="sysDot"/>
-                      <a:round/>
-                      <a:headEnd type="none" w="med" len="med"/>
-                      <a:tailEnd type="none" w="med" len="med"/>
-                    </a:lnL>
-                    <a:lnR w="3175" cap="flat" cmpd="sng" algn="ctr">
-                      <a:solidFill>
-                        <a:schemeClr val="tx1"/>
-                      </a:solidFill>
-                      <a:prstDash val="sysDot"/>
-                      <a:round/>
-                      <a:headEnd type="none" w="med" len="med"/>
-                      <a:tailEnd type="none" w="med" len="med"/>
-                    </a:lnR>
-                    <a:lnT w="3175" cap="flat" cmpd="sng" algn="ctr">
-                      <a:solidFill>
-                        <a:schemeClr val="tx1"/>
-                      </a:solidFill>
-                      <a:prstDash val="sysDot"/>
-                      <a:round/>
-                      <a:headEnd type="none" w="med" len="med"/>
-                      <a:tailEnd type="none" w="med" len="med"/>
-                    </a:lnT>
-                    <a:noFill/>
-                  </a:tcPr>
-                </a:tc>
-                <a:tc>
-                  <a:txBody>
-                    <a:bodyPr/>
-                    <a:lstStyle/>
-                    <a:p>
-                      <a:pPr algn="ctr"/>
-                      <a:r>
-                        <a:rPr lang="ro-RO" sz="1400">
-                          <a:latin typeface="Open Sans" panose="020B0606030504020204" pitchFamily="34" charset="0"/>
-                          <a:ea typeface="Open Sans" panose="020B0606030504020204" pitchFamily="34" charset="0"/>
-                          <a:cs typeface="Open Sans" panose="020B0606030504020204" pitchFamily="34" charset="0"/>
-                        </a:rPr>
-                        <a:t>1 priză Type 2 </a:t>
-                      </a:r>
-                    </a:p>
-                    <a:p>
-                      <a:pPr algn="ctr"/>
-                      <a:r>
-                        <a:rPr lang="ro-RO" sz="1400">
-                          <a:latin typeface="Open Sans" panose="020B0606030504020204" pitchFamily="34" charset="0"/>
-                          <a:ea typeface="Open Sans" panose="020B0606030504020204" pitchFamily="34" charset="0"/>
-                          <a:cs typeface="Open Sans" panose="020B0606030504020204" pitchFamily="34" charset="0"/>
-                        </a:rPr>
-                        <a:t>X </a:t>
-                      </a:r>
-                      <a:r>
-                        <a:rPr lang="ro-RO" sz="1400" dirty="0">
-                          <a:latin typeface="Open Sans" panose="020B0606030504020204" pitchFamily="34" charset="0"/>
-                          <a:ea typeface="Open Sans" panose="020B0606030504020204" pitchFamily="34" charset="0"/>
-                          <a:cs typeface="Open Sans" panose="020B0606030504020204" pitchFamily="34" charset="0"/>
-                        </a:rPr>
-                        <a:t>22 kWh</a:t>
-                      </a:r>
-                    </a:p>
-                    <a:p>
-                      <a:pPr algn="ctr"/>
-                      <a:r>
-                        <a:rPr lang="ro-RO" sz="1400" dirty="0">
-                          <a:latin typeface="Open Sans" panose="020B0606030504020204" pitchFamily="34" charset="0"/>
-                          <a:ea typeface="Open Sans" panose="020B0606030504020204" pitchFamily="34" charset="0"/>
-                          <a:cs typeface="Open Sans" panose="020B0606030504020204" pitchFamily="34" charset="0"/>
-                        </a:rPr>
-                        <a:t>(380 V x 32 A)</a:t>
-                      </a:r>
-                      <a:endParaRPr lang="en-US" sz="1400" dirty="0">
-                        <a:latin typeface="Open Sans" panose="020B0606030504020204" pitchFamily="34" charset="0"/>
-                        <a:ea typeface="Open Sans" panose="020B0606030504020204" pitchFamily="34" charset="0"/>
-                        <a:cs typeface="Open Sans" panose="020B0606030504020204" pitchFamily="34" charset="0"/>
-                      </a:endParaRPr>
-                    </a:p>
-                    <a:p>
-                      <a:pPr algn="ctr"/>
-                      <a:endParaRPr lang="en-US" sz="1400" dirty="0">
-                        <a:latin typeface="Open Sans" panose="020B0606030504020204" pitchFamily="34" charset="0"/>
-                        <a:ea typeface="Open Sans" panose="020B0606030504020204" pitchFamily="34" charset="0"/>
-                        <a:cs typeface="Open Sans" panose="020B0606030504020204" pitchFamily="34" charset="0"/>
-                      </a:endParaRPr>
-                    </a:p>
-                  </a:txBody>
-                  <a:tcPr anchor="ctr">
-                    <a:lnL w="3175" cap="flat" cmpd="sng" algn="ctr">
-                      <a:solidFill>
-                        <a:schemeClr val="tx1"/>
-                      </a:solidFill>
-                      <a:prstDash val="sysDot"/>
-                      <a:round/>
-                      <a:headEnd type="none" w="med" len="med"/>
-                      <a:tailEnd type="none" w="med" len="med"/>
-                    </a:lnL>
-                    <a:lnR w="3175" cap="flat" cmpd="sng" algn="ctr">
-                      <a:solidFill>
-                        <a:schemeClr val="tx1"/>
-                      </a:solidFill>
-                      <a:prstDash val="sysDot"/>
-                      <a:round/>
-                      <a:headEnd type="none" w="med" len="med"/>
-                      <a:tailEnd type="none" w="med" len="med"/>
-                    </a:lnR>
-                    <a:lnT w="3175" cap="flat" cmpd="sng" algn="ctr">
-                      <a:solidFill>
-                        <a:schemeClr val="tx1"/>
-                      </a:solidFill>
-                      <a:prstDash val="sysDot"/>
-                      <a:round/>
-                      <a:headEnd type="none" w="med" len="med"/>
-                      <a:tailEnd type="none" w="med" len="med"/>
-                    </a:lnT>
-                    <a:noFill/>
-                  </a:tcPr>
-                </a:tc>
-                <a:tc>
-                  <a:txBody>
-                    <a:bodyPr/>
-                    <a:lstStyle/>
-                    <a:p>
-                      <a:pPr marL="0" marR="0" lvl="0" indent="0" algn="ctr" defTabSz="514350" rtl="0" eaLnBrk="1" fontAlgn="auto" latinLnBrk="0" hangingPunct="1">
-                        <a:lnSpc>
-                          <a:spcPct val="100000"/>
-                        </a:lnSpc>
-                        <a:spcBef>
-                          <a:spcPts val="0"/>
-                        </a:spcBef>
-                        <a:spcAft>
-                          <a:spcPts val="0"/>
-                        </a:spcAft>
-                        <a:buClrTx/>
-                        <a:buSzTx/>
-                        <a:buFontTx/>
-                        <a:buNone/>
-                        <a:tabLst/>
-                        <a:defRPr/>
-                      </a:pPr>
-                      <a:r>
-                        <a:rPr lang="ro-RO" sz="1400" dirty="0">
-                          <a:latin typeface="Open Sans" panose="020B0606030504020204" pitchFamily="34" charset="0"/>
-                          <a:ea typeface="Open Sans" panose="020B0606030504020204" pitchFamily="34" charset="0"/>
-                          <a:cs typeface="Open Sans" panose="020B0606030504020204" pitchFamily="34" charset="0"/>
-                        </a:rPr>
-                        <a:t>970 €</a:t>
-                      </a:r>
-                      <a:endParaRPr lang="en-US" sz="1400" dirty="0">
-                        <a:latin typeface="Open Sans" panose="020B0606030504020204" pitchFamily="34" charset="0"/>
-                        <a:ea typeface="Open Sans" panose="020B0606030504020204" pitchFamily="34" charset="0"/>
-                        <a:cs typeface="Open Sans" panose="020B0606030504020204" pitchFamily="34" charset="0"/>
-                      </a:endParaRPr>
-                    </a:p>
-                  </a:txBody>
-                  <a:tcPr anchor="ctr">
-                    <a:lnL w="3175" cap="flat" cmpd="sng" algn="ctr">
-                      <a:solidFill>
-                        <a:schemeClr val="tx1"/>
-                      </a:solidFill>
-                      <a:prstDash val="sysDot"/>
-                      <a:round/>
-                      <a:headEnd type="none" w="med" len="med"/>
-                      <a:tailEnd type="none" w="med" len="med"/>
-                    </a:lnL>
-                    <a:lnT w="3175" cap="flat" cmpd="sng" algn="ctr">
-                      <a:solidFill>
-                        <a:schemeClr val="tx1"/>
-                      </a:solidFill>
-                      <a:prstDash val="sysDot"/>
-                      <a:round/>
-                      <a:headEnd type="none" w="med" len="med"/>
-                      <a:tailEnd type="none" w="med" len="med"/>
-                    </a:lnT>
-                    <a:noFill/>
-                  </a:tcPr>
-                </a:tc>
-                <a:extLst>
-                  <a:ext uri="{0D108BD9-81ED-4DB2-BD59-A6C34878D82A}">
-                    <a16:rowId xmlns="" xmlns:a16="http://schemas.microsoft.com/office/drawing/2014/main" val="2742141302"/>
                   </a:ext>
                 </a:extLst>
               </a:tr>
